--- a/content/resources/6-debugging/debugging.pptx
+++ b/content/resources/6-debugging/debugging.pptx
@@ -5,17 +5,16 @@
     <p:sldMasterId id="2147483648" r:id="rId1"/>
   </p:sldMasterIdLst>
   <p:notesMasterIdLst>
-    <p:notesMasterId r:id="rId10"/>
+    <p:notesMasterId r:id="rId9"/>
   </p:notesMasterIdLst>
   <p:sldIdLst>
     <p:sldId id="256" r:id="rId2"/>
     <p:sldId id="257" r:id="rId3"/>
     <p:sldId id="258" r:id="rId4"/>
     <p:sldId id="259" r:id="rId5"/>
-    <p:sldId id="260" r:id="rId6"/>
-    <p:sldId id="262" r:id="rId7"/>
-    <p:sldId id="261" r:id="rId8"/>
-    <p:sldId id="263" r:id="rId9"/>
+    <p:sldId id="262" r:id="rId6"/>
+    <p:sldId id="261" r:id="rId7"/>
+    <p:sldId id="263" r:id="rId8"/>
   </p:sldIdLst>
   <p:sldSz cx="12192000" cy="6858000"/>
   <p:notesSz cx="6858000" cy="9144000"/>
@@ -114,6 +113,11 @@
       </a:defRPr>
     </a:lvl9pPr>
   </p:defaultTextStyle>
+  <p:extLst>
+    <p:ext uri="{EFAFB233-063F-42B5-8137-9DF3F51BA10A}">
+      <p15:sldGuideLst xmlns:p15="http://schemas.microsoft.com/office/powerpoint/2012/main"/>
+    </p:ext>
+  </p:extLst>
 </p:presentation>
 </file>
 
@@ -199,7 +203,7 @@
           <a:p>
             <a:fld id="{0F5DD02C-4224-40E7-AA10-8823D1EBCF7E}" type="datetimeFigureOut">
               <a:rPr lang="en-GB" smtClean="0"/>
-              <a:t>31/07/2022</a:t>
+              <a:t>01/08/2022</a:t>
             </a:fld>
             <a:endParaRPr lang="en-GB"/>
           </a:p>
@@ -646,7 +650,7 @@
           <a:p>
             <a:fld id="{C9A35A7B-1ED5-4296-BD16-D266FAF12CE6}" type="slidenum">
               <a:rPr lang="en-GB" smtClean="0"/>
-              <a:t>6</a:t>
+              <a:t>5</a:t>
             </a:fld>
             <a:endParaRPr lang="en-GB"/>
           </a:p>
@@ -814,7 +818,7 @@
           <a:p>
             <a:fld id="{4A54EE0F-B7F8-45AA-800E-9250FA286658}" type="datetimeFigureOut">
               <a:rPr lang="en-GB" smtClean="0"/>
-              <a:t>31/07/2022</a:t>
+              <a:t>01/08/2022</a:t>
             </a:fld>
             <a:endParaRPr lang="en-GB"/>
           </a:p>
@@ -1014,7 +1018,7 @@
           <a:p>
             <a:fld id="{4A54EE0F-B7F8-45AA-800E-9250FA286658}" type="datetimeFigureOut">
               <a:rPr lang="en-GB" smtClean="0"/>
-              <a:t>31/07/2022</a:t>
+              <a:t>01/08/2022</a:t>
             </a:fld>
             <a:endParaRPr lang="en-GB"/>
           </a:p>
@@ -1224,7 +1228,7 @@
           <a:p>
             <a:fld id="{4A54EE0F-B7F8-45AA-800E-9250FA286658}" type="datetimeFigureOut">
               <a:rPr lang="en-GB" smtClean="0"/>
-              <a:t>31/07/2022</a:t>
+              <a:t>01/08/2022</a:t>
             </a:fld>
             <a:endParaRPr lang="en-GB"/>
           </a:p>
@@ -1424,7 +1428,7 @@
           <a:p>
             <a:fld id="{4A54EE0F-B7F8-45AA-800E-9250FA286658}" type="datetimeFigureOut">
               <a:rPr lang="en-GB" smtClean="0"/>
-              <a:t>31/07/2022</a:t>
+              <a:t>01/08/2022</a:t>
             </a:fld>
             <a:endParaRPr lang="en-GB"/>
           </a:p>
@@ -1700,7 +1704,7 @@
           <a:p>
             <a:fld id="{4A54EE0F-B7F8-45AA-800E-9250FA286658}" type="datetimeFigureOut">
               <a:rPr lang="en-GB" smtClean="0"/>
-              <a:t>31/07/2022</a:t>
+              <a:t>01/08/2022</a:t>
             </a:fld>
             <a:endParaRPr lang="en-GB"/>
           </a:p>
@@ -1968,7 +1972,7 @@
           <a:p>
             <a:fld id="{4A54EE0F-B7F8-45AA-800E-9250FA286658}" type="datetimeFigureOut">
               <a:rPr lang="en-GB" smtClean="0"/>
-              <a:t>31/07/2022</a:t>
+              <a:t>01/08/2022</a:t>
             </a:fld>
             <a:endParaRPr lang="en-GB"/>
           </a:p>
@@ -2383,7 +2387,7 @@
           <a:p>
             <a:fld id="{4A54EE0F-B7F8-45AA-800E-9250FA286658}" type="datetimeFigureOut">
               <a:rPr lang="en-GB" smtClean="0"/>
-              <a:t>31/07/2022</a:t>
+              <a:t>01/08/2022</a:t>
             </a:fld>
             <a:endParaRPr lang="en-GB"/>
           </a:p>
@@ -2525,7 +2529,7 @@
           <a:p>
             <a:fld id="{4A54EE0F-B7F8-45AA-800E-9250FA286658}" type="datetimeFigureOut">
               <a:rPr lang="en-GB" smtClean="0"/>
-              <a:t>31/07/2022</a:t>
+              <a:t>01/08/2022</a:t>
             </a:fld>
             <a:endParaRPr lang="en-GB"/>
           </a:p>
@@ -2638,7 +2642,7 @@
           <a:p>
             <a:fld id="{4A54EE0F-B7F8-45AA-800E-9250FA286658}" type="datetimeFigureOut">
               <a:rPr lang="en-GB" smtClean="0"/>
-              <a:t>31/07/2022</a:t>
+              <a:t>01/08/2022</a:t>
             </a:fld>
             <a:endParaRPr lang="en-GB"/>
           </a:p>
@@ -2951,7 +2955,7 @@
           <a:p>
             <a:fld id="{4A54EE0F-B7F8-45AA-800E-9250FA286658}" type="datetimeFigureOut">
               <a:rPr lang="en-GB" smtClean="0"/>
-              <a:t>31/07/2022</a:t>
+              <a:t>01/08/2022</a:t>
             </a:fld>
             <a:endParaRPr lang="en-GB"/>
           </a:p>
@@ -3240,7 +3244,7 @@
           <a:p>
             <a:fld id="{4A54EE0F-B7F8-45AA-800E-9250FA286658}" type="datetimeFigureOut">
               <a:rPr lang="en-GB" smtClean="0"/>
-              <a:t>31/07/2022</a:t>
+              <a:t>01/08/2022</a:t>
             </a:fld>
             <a:endParaRPr lang="en-GB"/>
           </a:p>
@@ -3483,7 +3487,7 @@
           <a:p>
             <a:fld id="{4A54EE0F-B7F8-45AA-800E-9250FA286658}" type="datetimeFigureOut">
               <a:rPr lang="en-GB" smtClean="0"/>
-              <a:t>31/07/2022</a:t>
+              <a:t>01/08/2022</a:t>
             </a:fld>
             <a:endParaRPr lang="en-GB"/>
           </a:p>
@@ -4217,7 +4221,15 @@
           <a:p>
             <a:r>
               <a:rPr lang="en-GB" dirty="0"/>
-              <a:t>when a developer locates a code error in a computer program</a:t>
+              <a:t>W</a:t>
+            </a:r>
+            <a:r>
+              <a:rPr lang="en-GB"/>
+              <a:t>hen </a:t>
+            </a:r>
+            <a:r>
+              <a:rPr lang="en-GB" dirty="0"/>
+              <a:t>a developer locates a code error in a computer program</a:t>
             </a:r>
           </a:p>
           <a:p>
@@ -4323,57 +4335,83 @@
           <a:chExt cx="0" cy="0"/>
         </a:xfrm>
       </p:grpSpPr>
-      <p:pic>
-        <p:nvPicPr>
-          <p:cNvPr id="2050" name="Picture 2" descr="Why Test-Driven Development (TDD) | Marsner Technologies">
-            <a:extLst>
-              <a:ext uri="{FF2B5EF4-FFF2-40B4-BE49-F238E27FC236}">
-                <a16:creationId xmlns:a16="http://schemas.microsoft.com/office/drawing/2014/main" id="{39135606-20A3-B46F-9D6A-F0E3EA106F54}"/>
-              </a:ext>
-            </a:extLst>
-          </p:cNvPr>
-          <p:cNvPicPr>
-            <a:picLocks noChangeAspect="1" noChangeArrowheads="1"/>
-          </p:cNvPicPr>
-          <p:nvPr/>
-        </p:nvPicPr>
-        <p:blipFill>
-          <a:blip r:embed="rId2">
-            <a:extLst>
-              <a:ext uri="{28A0092B-C50C-407E-A947-70E740481C1C}">
-                <a14:useLocalDpi xmlns:a14="http://schemas.microsoft.com/office/drawing/2010/main" val="0"/>
-              </a:ext>
-            </a:extLst>
-          </a:blip>
-          <a:srcRect/>
-          <a:stretch>
-            <a:fillRect/>
-          </a:stretch>
-        </p:blipFill>
-        <p:spPr bwMode="auto">
-          <a:xfrm>
-            <a:off x="1219200" y="190500"/>
-            <a:ext cx="9753600" cy="6477000"/>
-          </a:xfrm>
-          <a:prstGeom prst="rect">
-            <a:avLst/>
-          </a:prstGeom>
-          <a:noFill/>
-          <a:extLst>
-            <a:ext uri="{909E8E84-426E-40DD-AFC4-6F175D3DCCD1}">
-              <a14:hiddenFill xmlns:a14="http://schemas.microsoft.com/office/drawing/2010/main">
-                <a:solidFill>
-                  <a:srgbClr val="FFFFFF"/>
-                </a:solidFill>
-              </a14:hiddenFill>
-            </a:ext>
-          </a:extLst>
-        </p:spPr>
-      </p:pic>
+      <p:sp>
+        <p:nvSpPr>
+          <p:cNvPr id="2" name="Title 1">
+            <a:extLst>
+              <a:ext uri="{FF2B5EF4-FFF2-40B4-BE49-F238E27FC236}">
+                <a16:creationId xmlns:a16="http://schemas.microsoft.com/office/drawing/2014/main" id="{467BFEF6-B9A1-0549-A8BF-795AB8F486C6}"/>
+              </a:ext>
+            </a:extLst>
+          </p:cNvPr>
+          <p:cNvSpPr>
+            <a:spLocks noGrp="1"/>
+          </p:cNvSpPr>
+          <p:nvPr>
+            <p:ph type="title"/>
+          </p:nvPr>
+        </p:nvSpPr>
+        <p:spPr/>
+        <p:txBody>
+          <a:bodyPr>
+            <a:normAutofit/>
+          </a:bodyPr>
+          <a:lstStyle/>
+          <a:p>
+            <a:r>
+              <a:rPr lang="en-GB" sz="4000" dirty="0">
+                <a:latin typeface="Courier New" panose="02070309020205020404" pitchFamily="49" charset="0"/>
+                <a:cs typeface="Courier New" panose="02070309020205020404" pitchFamily="49" charset="0"/>
+              </a:rPr>
+              <a:t>print(“…so far, so good…”)</a:t>
+            </a:r>
+          </a:p>
+        </p:txBody>
+      </p:sp>
+      <p:sp>
+        <p:nvSpPr>
+          <p:cNvPr id="3" name="Content Placeholder 2">
+            <a:extLst>
+              <a:ext uri="{FF2B5EF4-FFF2-40B4-BE49-F238E27FC236}">
+                <a16:creationId xmlns:a16="http://schemas.microsoft.com/office/drawing/2014/main" id="{5731B6A5-C78A-B169-2C2C-B45DCDE998A2}"/>
+              </a:ext>
+            </a:extLst>
+          </p:cNvPr>
+          <p:cNvSpPr>
+            <a:spLocks noGrp="1"/>
+          </p:cNvSpPr>
+          <p:nvPr>
+            <p:ph idx="1"/>
+          </p:nvPr>
+        </p:nvSpPr>
+        <p:spPr/>
+        <p:txBody>
+          <a:bodyPr/>
+          <a:lstStyle/>
+          <a:p>
+            <a:r>
+              <a:rPr lang="en-GB" dirty="0"/>
+              <a:t>Also called “tracing”</a:t>
+            </a:r>
+          </a:p>
+          <a:p>
+            <a:r>
+              <a:rPr lang="en-GB" dirty="0"/>
+              <a:t>Add print statement throughout the code to see where the program gets to before an error occurs</a:t>
+            </a:r>
+          </a:p>
+          <a:p>
+            <a:r>
+              <a:rPr lang="en-GB" dirty="0"/>
+              <a:t>This can actually be very effective</a:t>
+            </a:r>
+          </a:p>
+        </p:txBody>
+      </p:sp>
     </p:spTree>
     <p:extLst>
       <p:ext uri="{BB962C8B-B14F-4D97-AF65-F5344CB8AC3E}">
-        <p14:creationId xmlns:p14="http://schemas.microsoft.com/office/powerpoint/2010/main" val="2559045879"/>
+        <p14:creationId xmlns:p14="http://schemas.microsoft.com/office/powerpoint/2010/main" val="466117901"/>
       </p:ext>
     </p:extLst>
   </p:cSld>
@@ -4405,7 +4443,7 @@
           <p:cNvPr id="2" name="Title 1">
             <a:extLst>
               <a:ext uri="{FF2B5EF4-FFF2-40B4-BE49-F238E27FC236}">
-                <a16:creationId xmlns:a16="http://schemas.microsoft.com/office/drawing/2014/main" id="{467BFEF6-B9A1-0549-A8BF-795AB8F486C6}"/>
+                <a16:creationId xmlns:a16="http://schemas.microsoft.com/office/drawing/2014/main" id="{525AD28D-ED5E-3266-4B4F-F687F66D8FB5}"/>
               </a:ext>
             </a:extLst>
           </p:cNvPr>
@@ -4418,57 +4456,92 @@
         </p:nvSpPr>
         <p:spPr/>
         <p:txBody>
-          <a:bodyPr>
-            <a:normAutofit/>
-          </a:bodyPr>
-          <a:lstStyle/>
-          <a:p>
-            <a:r>
-              <a:rPr lang="en-GB" sz="4000" dirty="0">
-                <a:latin typeface="Courier New" panose="02070309020205020404" pitchFamily="49" charset="0"/>
-                <a:cs typeface="Courier New" panose="02070309020205020404" pitchFamily="49" charset="0"/>
+          <a:bodyPr/>
+          <a:lstStyle/>
+          <a:p>
+            <a:r>
+              <a:rPr lang="en-GB" dirty="0"/>
+              <a:t>Steps of debugging</a:t>
+            </a:r>
+          </a:p>
+        </p:txBody>
+      </p:sp>
+      <p:sp>
+        <p:nvSpPr>
+          <p:cNvPr id="3" name="Content Placeholder 2">
+            <a:extLst>
+              <a:ext uri="{FF2B5EF4-FFF2-40B4-BE49-F238E27FC236}">
+                <a16:creationId xmlns:a16="http://schemas.microsoft.com/office/drawing/2014/main" id="{D27F45F5-E7CD-4DEB-6B6C-3613CC1C0725}"/>
+              </a:ext>
+            </a:extLst>
+          </p:cNvPr>
+          <p:cNvSpPr>
+            <a:spLocks noGrp="1"/>
+          </p:cNvSpPr>
+          <p:nvPr>
+            <p:ph idx="1"/>
+          </p:nvPr>
+        </p:nvSpPr>
+        <p:spPr/>
+        <p:txBody>
+          <a:bodyPr/>
+          <a:lstStyle/>
+          <a:p>
+            <a:r>
+              <a:rPr lang="en-GB" dirty="0"/>
+              <a:t>standard practice is to set up a "</a:t>
+            </a:r>
+            <a:r>
+              <a:rPr lang="en-GB" dirty="0">
+                <a:solidFill>
+                  <a:srgbClr val="FF0000"/>
+                </a:solidFill>
               </a:rPr>
-              <a:t>print(“…so far, so good…”)</a:t>
-            </a:r>
-          </a:p>
-        </p:txBody>
-      </p:sp>
-      <p:sp>
-        <p:nvSpPr>
-          <p:cNvPr id="3" name="Content Placeholder 2">
-            <a:extLst>
-              <a:ext uri="{FF2B5EF4-FFF2-40B4-BE49-F238E27FC236}">
-                <a16:creationId xmlns:a16="http://schemas.microsoft.com/office/drawing/2014/main" id="{5731B6A5-C78A-B169-2C2C-B45DCDE998A2}"/>
-              </a:ext>
-            </a:extLst>
-          </p:cNvPr>
-          <p:cNvSpPr>
-            <a:spLocks noGrp="1"/>
-          </p:cNvSpPr>
-          <p:nvPr>
-            <p:ph idx="1"/>
-          </p:nvPr>
-        </p:nvSpPr>
-        <p:spPr/>
-        <p:txBody>
-          <a:bodyPr/>
-          <a:lstStyle/>
-          <a:p>
+              <a:t>breakpoint</a:t>
+            </a:r>
             <a:r>
               <a:rPr lang="en-GB" dirty="0"/>
-              <a:t>Also called “tracing”</a:t>
-            </a:r>
-          </a:p>
-          <a:p>
+              <a:t>" and run the program until that breakpoint</a:t>
+            </a:r>
+          </a:p>
+          <a:p>
+            <a:pPr lvl="1"/>
             <a:r>
               <a:rPr lang="en-GB" dirty="0"/>
-              <a:t>Add print statement throughout the code to see where the program gets to before an error occurs</a:t>
+              <a:t>execution stops</a:t>
             </a:r>
           </a:p>
           <a:p>
             <a:r>
               <a:rPr lang="en-GB" dirty="0"/>
-              <a:t>This can actually be very effective</a:t>
+              <a:t>Now you can see variables and look around</a:t>
+            </a:r>
+          </a:p>
+          <a:p>
+            <a:r>
+              <a:rPr lang="en-GB" dirty="0"/>
+              <a:t>You can then</a:t>
+            </a:r>
+          </a:p>
+          <a:p>
+            <a:pPr lvl="1"/>
+            <a:r>
+              <a:rPr lang="en-GB" dirty="0"/>
+              <a:t>run the program to the next breakpoint</a:t>
+            </a:r>
+          </a:p>
+          <a:p>
+            <a:pPr lvl="1"/>
+            <a:r>
+              <a:rPr lang="en-GB" dirty="0"/>
+              <a:t>execute just the next line of code</a:t>
+            </a:r>
+          </a:p>
+          <a:p>
+            <a:pPr lvl="1"/>
+            <a:r>
+              <a:rPr lang="en-GB" dirty="0"/>
+              <a:t>change the value of variables or even change the contents of the line of code about to be executed.</a:t>
             </a:r>
           </a:p>
         </p:txBody>
@@ -4476,7 +4549,7 @@
     </p:spTree>
     <p:extLst>
       <p:ext uri="{BB962C8B-B14F-4D97-AF65-F5344CB8AC3E}">
-        <p14:creationId xmlns:p14="http://schemas.microsoft.com/office/powerpoint/2010/main" val="466117901"/>
+        <p14:creationId xmlns:p14="http://schemas.microsoft.com/office/powerpoint/2010/main" val="2286042603"/>
       </p:ext>
     </p:extLst>
   </p:cSld>
@@ -4508,144 +4581,6 @@
           <p:cNvPr id="2" name="Title 1">
             <a:extLst>
               <a:ext uri="{FF2B5EF4-FFF2-40B4-BE49-F238E27FC236}">
-                <a16:creationId xmlns:a16="http://schemas.microsoft.com/office/drawing/2014/main" id="{525AD28D-ED5E-3266-4B4F-F687F66D8FB5}"/>
-              </a:ext>
-            </a:extLst>
-          </p:cNvPr>
-          <p:cNvSpPr>
-            <a:spLocks noGrp="1"/>
-          </p:cNvSpPr>
-          <p:nvPr>
-            <p:ph type="title"/>
-          </p:nvPr>
-        </p:nvSpPr>
-        <p:spPr/>
-        <p:txBody>
-          <a:bodyPr/>
-          <a:lstStyle/>
-          <a:p>
-            <a:r>
-              <a:rPr lang="en-GB" dirty="0"/>
-              <a:t>Steps of debugging</a:t>
-            </a:r>
-          </a:p>
-        </p:txBody>
-      </p:sp>
-      <p:sp>
-        <p:nvSpPr>
-          <p:cNvPr id="3" name="Content Placeholder 2">
-            <a:extLst>
-              <a:ext uri="{FF2B5EF4-FFF2-40B4-BE49-F238E27FC236}">
-                <a16:creationId xmlns:a16="http://schemas.microsoft.com/office/drawing/2014/main" id="{D27F45F5-E7CD-4DEB-6B6C-3613CC1C0725}"/>
-              </a:ext>
-            </a:extLst>
-          </p:cNvPr>
-          <p:cNvSpPr>
-            <a:spLocks noGrp="1"/>
-          </p:cNvSpPr>
-          <p:nvPr>
-            <p:ph idx="1"/>
-          </p:nvPr>
-        </p:nvSpPr>
-        <p:spPr/>
-        <p:txBody>
-          <a:bodyPr/>
-          <a:lstStyle/>
-          <a:p>
-            <a:r>
-              <a:rPr lang="en-GB" dirty="0"/>
-              <a:t>standard practice is to set up a "</a:t>
-            </a:r>
-            <a:r>
-              <a:rPr lang="en-GB" dirty="0">
-                <a:solidFill>
-                  <a:srgbClr val="FF0000"/>
-                </a:solidFill>
-              </a:rPr>
-              <a:t>breakpoint</a:t>
-            </a:r>
-            <a:r>
-              <a:rPr lang="en-GB" dirty="0"/>
-              <a:t>" and run the program until that breakpoint</a:t>
-            </a:r>
-          </a:p>
-          <a:p>
-            <a:pPr lvl="1"/>
-            <a:r>
-              <a:rPr lang="en-GB" dirty="0"/>
-              <a:t>execution stops</a:t>
-            </a:r>
-          </a:p>
-          <a:p>
-            <a:r>
-              <a:rPr lang="en-GB" dirty="0"/>
-              <a:t>Now you can see variables and look around</a:t>
-            </a:r>
-          </a:p>
-          <a:p>
-            <a:r>
-              <a:rPr lang="en-GB" dirty="0"/>
-              <a:t>You can then</a:t>
-            </a:r>
-          </a:p>
-          <a:p>
-            <a:pPr lvl="1"/>
-            <a:r>
-              <a:rPr lang="en-GB" dirty="0"/>
-              <a:t>run the program to the next breakpoint</a:t>
-            </a:r>
-          </a:p>
-          <a:p>
-            <a:pPr lvl="1"/>
-            <a:r>
-              <a:rPr lang="en-GB" dirty="0"/>
-              <a:t>execute just the next line of code</a:t>
-            </a:r>
-          </a:p>
-          <a:p>
-            <a:pPr lvl="1"/>
-            <a:r>
-              <a:rPr lang="en-GB" dirty="0"/>
-              <a:t>change the value of variables or even change the contents of the line of code about to be executed.</a:t>
-            </a:r>
-          </a:p>
-        </p:txBody>
-      </p:sp>
-    </p:spTree>
-    <p:extLst>
-      <p:ext uri="{BB962C8B-B14F-4D97-AF65-F5344CB8AC3E}">
-        <p14:creationId xmlns:p14="http://schemas.microsoft.com/office/powerpoint/2010/main" val="2286042603"/>
-      </p:ext>
-    </p:extLst>
-  </p:cSld>
-  <p:clrMapOvr>
-    <a:masterClrMapping/>
-  </p:clrMapOvr>
-</p:sld>
-</file>
-
-<file path=ppt/slides/slide8.xml><?xml version="1.0" encoding="utf-8"?>
-<p:sld xmlns:a="http://schemas.openxmlformats.org/drawingml/2006/main" xmlns:r="http://schemas.openxmlformats.org/officeDocument/2006/relationships" xmlns:p="http://schemas.openxmlformats.org/presentationml/2006/main">
-  <p:cSld>
-    <p:spTree>
-      <p:nvGrpSpPr>
-        <p:cNvPr id="1" name=""/>
-        <p:cNvGrpSpPr/>
-        <p:nvPr/>
-      </p:nvGrpSpPr>
-      <p:grpSpPr>
-        <a:xfrm>
-          <a:off x="0" y="0"/>
-          <a:ext cx="0" cy="0"/>
-          <a:chOff x="0" y="0"/>
-          <a:chExt cx="0" cy="0"/>
-        </a:xfrm>
-      </p:grpSpPr>
-      <p:sp>
-        <p:nvSpPr>
-          <p:cNvPr id="2" name="Title 1">
-            <a:extLst>
-              <a:ext uri="{FF2B5EF4-FFF2-40B4-BE49-F238E27FC236}">
                 <a16:creationId xmlns:a16="http://schemas.microsoft.com/office/drawing/2014/main" id="{0306730F-DE4D-1C3B-B19A-0DF26B36FC52}"/>
               </a:ext>
             </a:extLst>
@@ -4701,7 +4636,7 @@
             <a:pPr lvl="1"/>
             <a:r>
               <a:rPr lang="en-GB" dirty="0"/>
-              <a:t>Browser()</a:t>
+              <a:t>browser()</a:t>
             </a:r>
           </a:p>
           <a:p>
